--- a/Документики/3ИСИП-321_ГончаровДВ_КурсовойПроект_Отель.pptx
+++ b/Документики/3ИСИП-321_ГончаровДВ_КурсовойПроект_Отель.pptx
@@ -347,7 +347,7 @@
           <a:p>
             <a:fld id="{39F80ED5-BE2F-4817-8A7C-A0211762A185}" type="datetimeFigureOut">
               <a:rPr lang="ru-RU" smtClean="0"/>
-              <a:t>20.05.2024</a:t>
+              <a:t>21.05.2024</a:t>
             </a:fld>
             <a:endParaRPr lang="ru-RU"/>
           </a:p>
@@ -555,7 +555,7 @@
           <a:p>
             <a:fld id="{39F80ED5-BE2F-4817-8A7C-A0211762A185}" type="datetimeFigureOut">
               <a:rPr lang="ru-RU" smtClean="0"/>
-              <a:t>20.05.2024</a:t>
+              <a:t>21.05.2024</a:t>
             </a:fld>
             <a:endParaRPr lang="ru-RU"/>
           </a:p>
@@ -811,7 +811,7 @@
           <a:p>
             <a:fld id="{39F80ED5-BE2F-4817-8A7C-A0211762A185}" type="datetimeFigureOut">
               <a:rPr lang="ru-RU" smtClean="0"/>
-              <a:t>20.05.2024</a:t>
+              <a:t>21.05.2024</a:t>
             </a:fld>
             <a:endParaRPr lang="ru-RU"/>
           </a:p>
@@ -981,7 +981,7 @@
           <a:p>
             <a:fld id="{39F80ED5-BE2F-4817-8A7C-A0211762A185}" type="datetimeFigureOut">
               <a:rPr lang="ru-RU" smtClean="0"/>
-              <a:t>20.05.2024</a:t>
+              <a:t>21.05.2024</a:t>
             </a:fld>
             <a:endParaRPr lang="ru-RU"/>
           </a:p>
@@ -1324,7 +1324,7 @@
           <a:p>
             <a:fld id="{39F80ED5-BE2F-4817-8A7C-A0211762A185}" type="datetimeFigureOut">
               <a:rPr lang="ru-RU" smtClean="0"/>
-              <a:t>20.05.2024</a:t>
+              <a:t>21.05.2024</a:t>
             </a:fld>
             <a:endParaRPr lang="ru-RU"/>
           </a:p>
@@ -1599,7 +1599,7 @@
           <a:p>
             <a:fld id="{39F80ED5-BE2F-4817-8A7C-A0211762A185}" type="datetimeFigureOut">
               <a:rPr lang="ru-RU" smtClean="0"/>
-              <a:t>20.05.2024</a:t>
+              <a:t>21.05.2024</a:t>
             </a:fld>
             <a:endParaRPr lang="ru-RU"/>
           </a:p>
@@ -1978,7 +1978,7 @@
           <a:p>
             <a:fld id="{39F80ED5-BE2F-4817-8A7C-A0211762A185}" type="datetimeFigureOut">
               <a:rPr lang="ru-RU" smtClean="0"/>
-              <a:t>20.05.2024</a:t>
+              <a:t>21.05.2024</a:t>
             </a:fld>
             <a:endParaRPr lang="ru-RU"/>
           </a:p>
@@ -2096,7 +2096,7 @@
           <a:p>
             <a:fld id="{39F80ED5-BE2F-4817-8A7C-A0211762A185}" type="datetimeFigureOut">
               <a:rPr lang="ru-RU" smtClean="0"/>
-              <a:t>20.05.2024</a:t>
+              <a:t>21.05.2024</a:t>
             </a:fld>
             <a:endParaRPr lang="ru-RU"/>
           </a:p>
@@ -2267,7 +2267,7 @@
           <a:p>
             <a:fld id="{39F80ED5-BE2F-4817-8A7C-A0211762A185}" type="datetimeFigureOut">
               <a:rPr lang="ru-RU" smtClean="0"/>
-              <a:t>20.05.2024</a:t>
+              <a:t>21.05.2024</a:t>
             </a:fld>
             <a:endParaRPr lang="ru-RU"/>
           </a:p>
@@ -2621,7 +2621,7 @@
           <a:p>
             <a:fld id="{39F80ED5-BE2F-4817-8A7C-A0211762A185}" type="datetimeFigureOut">
               <a:rPr lang="ru-RU" smtClean="0"/>
-              <a:t>20.05.2024</a:t>
+              <a:t>21.05.2024</a:t>
             </a:fld>
             <a:endParaRPr lang="ru-RU"/>
           </a:p>
@@ -2998,7 +2998,7 @@
           <a:p>
             <a:fld id="{39F80ED5-BE2F-4817-8A7C-A0211762A185}" type="datetimeFigureOut">
               <a:rPr lang="ru-RU" smtClean="0"/>
-              <a:t>20.05.2024</a:t>
+              <a:t>21.05.2024</a:t>
             </a:fld>
             <a:endParaRPr lang="ru-RU"/>
           </a:p>
@@ -3285,7 +3285,7 @@
           <a:p>
             <a:fld id="{39F80ED5-BE2F-4817-8A7C-A0211762A185}" type="datetimeFigureOut">
               <a:rPr lang="ru-RU" smtClean="0"/>
-              <a:t>20.05.2024</a:t>
+              <a:t>21.05.2024</a:t>
             </a:fld>
             <a:endParaRPr lang="ru-RU"/>
           </a:p>
@@ -4986,7 +4986,7 @@
             <p:ph idx="1"/>
           </p:nvPr>
         </p:nvPicPr>
-        <p:blipFill rotWithShape="1">
+        <p:blipFill>
           <a:blip r:embed="rId2">
             <a:extLst>
               <a:ext uri="{28A0092B-C50C-407E-A947-70E740481C1C}">
@@ -4994,13 +4994,14 @@
               </a:ext>
             </a:extLst>
           </a:blip>
-          <a:srcRect l="5729" t="8376" r="5519" b="8547"/>
-          <a:stretch/>
+          <a:stretch>
+            <a:fillRect/>
+          </a:stretch>
         </p:blipFill>
         <p:spPr>
           <a:xfrm>
-            <a:off x="1937432" y="1125415"/>
-            <a:ext cx="8378093" cy="5064369"/>
+            <a:off x="1937432" y="1316499"/>
+            <a:ext cx="8378093" cy="4682201"/>
           </a:xfrm>
           <a:prstGeom prst="rect">
             <a:avLst/>
